--- a/Presentations/4_1_20 Assignment 2B Presentation.pptx
+++ b/Presentations/4_1_20 Assignment 2B Presentation.pptx
@@ -3913,26 +3913,6 @@
             </a:pPr>
             <a:r>
               <a:rPr lang="en-US" sz="2200" dirty="0"/>
-              <a:t>Label interconnections on wiring schematics</a:t>
-            </a:r>
-          </a:p>
-          <a:p>
-            <a:pPr marL="0" indent="0" fontAlgn="base">
-              <a:spcBef>
-                <a:spcPts val="0"/>
-              </a:spcBef>
-              <a:buNone/>
-            </a:pPr>
-            <a:endParaRPr lang="en-US" sz="2200" dirty="0"/>
-          </a:p>
-          <a:p>
-            <a:pPr fontAlgn="base">
-              <a:spcBef>
-                <a:spcPts val="0"/>
-              </a:spcBef>
-            </a:pPr>
-            <a:r>
-              <a:rPr lang="en-US" sz="2200" dirty="0"/>
               <a:t>Grammatical Errors</a:t>
             </a:r>
           </a:p>
@@ -4024,7 +4004,7 @@
         </p:spPr>
         <p:txBody>
           <a:bodyPr vert="horz" lIns="91440" tIns="45720" rIns="91440" bIns="45720" rtlCol="0">
-            <a:normAutofit lnSpcReduction="10000"/>
+            <a:normAutofit fontScale="85000" lnSpcReduction="20000"/>
           </a:bodyPr>
           <a:lstStyle>
             <a:lvl1pPr marL="228600" indent="-228600" algn="l" defTabSz="914400" rtl="0" eaLnBrk="1" latinLnBrk="0" hangingPunct="1">
@@ -4192,6 +4172,10 @@
           </a:lstStyle>
           <a:p>
             <a:pPr lvl="0"/>
+            <a:endParaRPr lang="en-US" sz="2400" dirty="0"/>
+          </a:p>
+          <a:p>
+            <a:pPr lvl="0"/>
             <a:r>
               <a:rPr lang="en-US" sz="2400" dirty="0"/>
               <a:t>Appendices do not contain a coversheet</a:t>
@@ -4323,17 +4307,18 @@
             </a:r>
           </a:p>
           <a:p>
-            <a:pPr marL="457200" lvl="1" indent="0" fontAlgn="base">
+            <a:pPr lvl="1" fontAlgn="base">
               <a:spcBef>
                 <a:spcPts val="0"/>
               </a:spcBef>
-              <a:buNone/>
+              <a:buFontTx/>
+              <a:buChar char="-"/>
             </a:pPr>
             <a:r>
               <a:rPr lang="en-US" sz="2200" dirty="0"/>
-              <a:t>- Each flowchart is simulating with one packet and reaches the end of the process at the last block of each flowchart.</a:t>
-            </a:r>
-            <a:endParaRPr lang="en-US" sz="2400" dirty="0"/>
+              <a:t>Each flowchart is simulating with one packet and reaches the end of the process at the last block of each flowchart.</a:t>
+            </a:r>
+            <a:endParaRPr lang="en-US" dirty="0"/>
           </a:p>
           <a:p>
             <a:pPr fontAlgn="base">
@@ -4342,6 +4327,29 @@
               </a:spcBef>
             </a:pPr>
             <a:endParaRPr lang="en-US" sz="2400" dirty="0"/>
+          </a:p>
+          <a:p>
+            <a:pPr fontAlgn="base">
+              <a:spcBef>
+                <a:spcPts val="0"/>
+              </a:spcBef>
+            </a:pPr>
+            <a:r>
+              <a:rPr lang="en-US" sz="2400" dirty="0"/>
+              <a:t>Label interconnections on wiring schematics</a:t>
+            </a:r>
+          </a:p>
+          <a:p>
+            <a:pPr marL="0" indent="0" fontAlgn="base">
+              <a:spcBef>
+                <a:spcPts val="0"/>
+              </a:spcBef>
+              <a:buNone/>
+            </a:pPr>
+            <a:r>
+              <a:rPr lang="en-US" sz="2400" dirty="0"/>
+              <a:t>       -    A key with what each wire’s color represents in the wiring schematics in Figure D-6.</a:t>
+            </a:r>
           </a:p>
           <a:p>
             <a:pPr fontAlgn="base">
